--- a/lab5/src/D1049174.pptx
+++ b/lab5/src/D1049174.pptx
@@ -260,7 +260,7 @@
           <a:p>
             <a:fld id="{965F2178-6356-1E43-9391-741189F75F34}" type="datetimeFigureOut">
               <a:rPr kumimoji="1" lang="zh-TW" altLang="en-US" smtClean="0"/>
-              <a:t>2023/9/26</a:t>
+              <a:t>2023/10/23</a:t>
             </a:fld>
             <a:endParaRPr kumimoji="1" lang="zh-TW" altLang="en-US"/>
           </a:p>
@@ -433,7 +433,7 @@
           <a:p>
             <a:fld id="{965F2178-6356-1E43-9391-741189F75F34}" type="datetimeFigureOut">
               <a:rPr kumimoji="1" lang="zh-TW" altLang="en-US" smtClean="0"/>
-              <a:t>2023/9/26</a:t>
+              <a:t>2023/10/23</a:t>
             </a:fld>
             <a:endParaRPr kumimoji="1" lang="zh-TW" altLang="en-US"/>
           </a:p>
@@ -616,7 +616,7 @@
           <a:p>
             <a:fld id="{965F2178-6356-1E43-9391-741189F75F34}" type="datetimeFigureOut">
               <a:rPr kumimoji="1" lang="zh-TW" altLang="en-US" smtClean="0"/>
-              <a:t>2023/9/26</a:t>
+              <a:t>2023/10/23</a:t>
             </a:fld>
             <a:endParaRPr kumimoji="1" lang="zh-TW" altLang="en-US"/>
           </a:p>
@@ -789,7 +789,7 @@
           <a:p>
             <a:fld id="{965F2178-6356-1E43-9391-741189F75F34}" type="datetimeFigureOut">
               <a:rPr kumimoji="1" lang="zh-TW" altLang="en-US" smtClean="0"/>
-              <a:t>2023/9/26</a:t>
+              <a:t>2023/10/23</a:t>
             </a:fld>
             <a:endParaRPr kumimoji="1" lang="zh-TW" altLang="en-US"/>
           </a:p>
@@ -1067,7 +1067,7 @@
           <a:p>
             <a:fld id="{965F2178-6356-1E43-9391-741189F75F34}" type="datetimeFigureOut">
               <a:rPr kumimoji="1" lang="zh-TW" altLang="en-US" smtClean="0"/>
-              <a:t>2023/9/26</a:t>
+              <a:t>2023/10/23</a:t>
             </a:fld>
             <a:endParaRPr kumimoji="1" lang="zh-TW" altLang="en-US"/>
           </a:p>
@@ -1282,7 +1282,7 @@
           <a:p>
             <a:fld id="{965F2178-6356-1E43-9391-741189F75F34}" type="datetimeFigureOut">
               <a:rPr kumimoji="1" lang="zh-TW" altLang="en-US" smtClean="0"/>
-              <a:t>2023/9/26</a:t>
+              <a:t>2023/10/23</a:t>
             </a:fld>
             <a:endParaRPr kumimoji="1" lang="zh-TW" altLang="en-US"/>
           </a:p>
@@ -1650,7 +1650,7 @@
           <a:p>
             <a:fld id="{965F2178-6356-1E43-9391-741189F75F34}" type="datetimeFigureOut">
               <a:rPr kumimoji="1" lang="zh-TW" altLang="en-US" smtClean="0"/>
-              <a:t>2023/9/26</a:t>
+              <a:t>2023/10/23</a:t>
             </a:fld>
             <a:endParaRPr kumimoji="1" lang="zh-TW" altLang="en-US"/>
           </a:p>
@@ -1791,7 +1791,7 @@
           <a:p>
             <a:fld id="{965F2178-6356-1E43-9391-741189F75F34}" type="datetimeFigureOut">
               <a:rPr kumimoji="1" lang="zh-TW" altLang="en-US" smtClean="0"/>
-              <a:t>2023/9/26</a:t>
+              <a:t>2023/10/23</a:t>
             </a:fld>
             <a:endParaRPr kumimoji="1" lang="zh-TW" altLang="en-US"/>
           </a:p>
@@ -1904,7 +1904,7 @@
           <a:p>
             <a:fld id="{965F2178-6356-1E43-9391-741189F75F34}" type="datetimeFigureOut">
               <a:rPr kumimoji="1" lang="zh-TW" altLang="en-US" smtClean="0"/>
-              <a:t>2023/9/26</a:t>
+              <a:t>2023/10/23</a:t>
             </a:fld>
             <a:endParaRPr kumimoji="1" lang="zh-TW" altLang="en-US"/>
           </a:p>
@@ -2193,7 +2193,7 @@
           <a:p>
             <a:fld id="{965F2178-6356-1E43-9391-741189F75F34}" type="datetimeFigureOut">
               <a:rPr kumimoji="1" lang="zh-TW" altLang="en-US" smtClean="0"/>
-              <a:t>2023/9/26</a:t>
+              <a:t>2023/10/23</a:t>
             </a:fld>
             <a:endParaRPr kumimoji="1" lang="zh-TW" altLang="en-US"/>
           </a:p>
@@ -2484,7 +2484,7 @@
           <a:p>
             <a:fld id="{965F2178-6356-1E43-9391-741189F75F34}" type="datetimeFigureOut">
               <a:rPr kumimoji="1" lang="zh-TW" altLang="en-US" smtClean="0"/>
-              <a:t>2023/9/26</a:t>
+              <a:t>2023/10/23</a:t>
             </a:fld>
             <a:endParaRPr kumimoji="1" lang="zh-TW" altLang="en-US"/>
           </a:p>
@@ -2700,7 +2700,7 @@
           <a:p>
             <a:fld id="{965F2178-6356-1E43-9391-741189F75F34}" type="datetimeFigureOut">
               <a:rPr kumimoji="1" lang="zh-TW" altLang="en-US" smtClean="0"/>
-              <a:t>2023/9/26</a:t>
+              <a:t>2023/10/23</a:t>
             </a:fld>
             <a:endParaRPr kumimoji="1" lang="zh-TW" altLang="en-US"/>
           </a:p>
@@ -3264,10 +3264,10 @@
       </p:sp>
       <p:pic>
         <p:nvPicPr>
-          <p:cNvPr id="5" name="圖片 4">
-            <a:extLst>
-              <a:ext uri="{FF2B5EF4-FFF2-40B4-BE49-F238E27FC236}">
-                <a16:creationId xmlns:a16="http://schemas.microsoft.com/office/drawing/2014/main" id="{8CC3177A-7CAA-4A45-9D74-A6AA8635CC59}"/>
+          <p:cNvPr id="6" name="圖片 5">
+            <a:extLst>
+              <a:ext uri="{FF2B5EF4-FFF2-40B4-BE49-F238E27FC236}">
+                <a16:creationId xmlns:a16="http://schemas.microsoft.com/office/drawing/2014/main" id="{456B67F8-EBCF-1943-8B36-02EC46318DD0}"/>
               </a:ext>
             </a:extLst>
           </p:cNvPr>
@@ -3284,8 +3284,8 @@
         </p:blipFill>
         <p:spPr>
           <a:xfrm>
-            <a:off x="1430867" y="-110067"/>
-            <a:ext cx="9448800" cy="7128933"/>
+            <a:off x="2336799" y="0"/>
+            <a:ext cx="7586133" cy="6858000"/>
           </a:xfrm>
           <a:prstGeom prst="rect">
             <a:avLst/>
